--- a/pics/2021-05-06-separable_differential_equations/pics.pptx
+++ b/pics/2021-05-06-separable_differential_equations/pics.pptx
@@ -6,6 +6,7 @@
   </p:sldMasterIdLst>
   <p:sldIdLst>
     <p:sldId id="256" r:id="rId2"/>
+    <p:sldId id="257" r:id="rId3"/>
   </p:sldIdLst>
   <p:sldSz cx="9144000" cy="6858000" type="screen4x3"/>
   <p:notesSz cx="6858000" cy="9144000"/>
@@ -3112,6 +3113,100 @@
 </p:sld>
 </file>
 
+<file path=ppt/slides/slide2.xml><?xml version="1.0" encoding="utf-8"?>
+<p:sld xmlns:a="http://schemas.openxmlformats.org/drawingml/2006/main" xmlns:r="http://schemas.openxmlformats.org/officeDocument/2006/relationships" xmlns:p="http://schemas.openxmlformats.org/presentationml/2006/main">
+  <p:cSld>
+    <p:spTree>
+      <p:nvGrpSpPr>
+        <p:cNvPr id="1" name=""/>
+        <p:cNvGrpSpPr/>
+        <p:nvPr/>
+      </p:nvGrpSpPr>
+      <p:grpSpPr>
+        <a:xfrm>
+          <a:off x="0" y="0"/>
+          <a:ext cx="0" cy="0"/>
+          <a:chOff x="0" y="0"/>
+          <a:chExt cx="0" cy="0"/>
+        </a:xfrm>
+      </p:grpSpPr>
+      <p:pic>
+        <p:nvPicPr>
+          <p:cNvPr id="1026" name="Picture 2"/>
+          <p:cNvPicPr>
+            <a:picLocks noChangeAspect="1" noChangeArrowheads="1"/>
+          </p:cNvPicPr>
+          <p:nvPr/>
+        </p:nvPicPr>
+        <p:blipFill>
+          <a:blip r:embed="rId2">
+            <a:extLst>
+              <a:ext uri="{28A0092B-C50C-407E-A947-70E740481C1C}">
+                <a14:useLocalDpi xmlns:a14="http://schemas.microsoft.com/office/drawing/2010/main" val="0"/>
+              </a:ext>
+            </a:extLst>
+          </a:blip>
+          <a:srcRect/>
+          <a:stretch>
+            <a:fillRect/>
+          </a:stretch>
+        </p:blipFill>
+        <p:spPr bwMode="auto">
+          <a:xfrm>
+            <a:off x="1909763" y="1433513"/>
+            <a:ext cx="5324475" cy="3990975"/>
+          </a:xfrm>
+          <a:prstGeom prst="rect">
+            <a:avLst/>
+          </a:prstGeom>
+          <a:noFill/>
+          <a:ln>
+            <a:noFill/>
+          </a:ln>
+          <a:effectLst/>
+          <a:extLst>
+            <a:ext uri="{909E8E84-426E-40DD-AFC4-6F175D3DCCD1}">
+              <a14:hiddenFill xmlns:a14="http://schemas.microsoft.com/office/drawing/2010/main">
+                <a:solidFill>
+                  <a:schemeClr val="accent1"/>
+                </a:solidFill>
+              </a14:hiddenFill>
+            </a:ext>
+            <a:ext uri="{91240B29-F687-4F45-9708-019B960494DF}">
+              <a14:hiddenLine xmlns:a14="http://schemas.microsoft.com/office/drawing/2010/main" w="9525">
+                <a:solidFill>
+                  <a:schemeClr val="tx1"/>
+                </a:solidFill>
+                <a:miter lim="800000"/>
+                <a:headEnd/>
+                <a:tailEnd/>
+              </a14:hiddenLine>
+            </a:ext>
+            <a:ext uri="{AF507438-7753-43E0-B8FC-AC1667EBCBE1}">
+              <a14:hiddenEffects xmlns:a14="http://schemas.microsoft.com/office/drawing/2010/main">
+                <a:effectLst>
+                  <a:outerShdw dist="35921" dir="2700000" algn="ctr" rotWithShape="0">
+                    <a:schemeClr val="bg2"/>
+                  </a:outerShdw>
+                </a:effectLst>
+              </a14:hiddenEffects>
+            </a:ext>
+          </a:extLst>
+        </p:spPr>
+      </p:pic>
+    </p:spTree>
+    <p:extLst>
+      <p:ext uri="{BB962C8B-B14F-4D97-AF65-F5344CB8AC3E}">
+        <p14:creationId xmlns:p14="http://schemas.microsoft.com/office/powerpoint/2010/main" val="815731318"/>
+      </p:ext>
+    </p:extLst>
+  </p:cSld>
+  <p:clrMapOvr>
+    <a:masterClrMapping/>
+  </p:clrMapOvr>
+</p:sld>
+</file>
+
 <file path=ppt/theme/theme1.xml><?xml version="1.0" encoding="utf-8"?>
 <a:theme xmlns:a="http://schemas.openxmlformats.org/drawingml/2006/main" name="Office 테마">
   <a:themeElements>

--- a/pics/2021-05-06-separable_differential_equations/pics.pptx
+++ b/pics/2021-05-06-separable_differential_equations/pics.pptx
@@ -6,7 +6,8 @@
   </p:sldMasterIdLst>
   <p:sldIdLst>
     <p:sldId id="256" r:id="rId2"/>
-    <p:sldId id="257" r:id="rId3"/>
+    <p:sldId id="258" r:id="rId3"/>
+    <p:sldId id="257" r:id="rId4"/>
   </p:sldIdLst>
   <p:sldSz cx="9144000" cy="6858000" type="screen4x3"/>
   <p:notesSz cx="6858000" cy="9144000"/>
@@ -105,6 +106,22 @@
       </a:defRPr>
     </a:lvl9pPr>
   </p:defaultTextStyle>
+  <p:extLst>
+    <p:ext uri="{EFAFB233-063F-42B5-8137-9DF3F51BA10A}">
+      <p15:sldGuideLst xmlns:p15="http://schemas.microsoft.com/office/powerpoint/2012/main">
+        <p15:guide id="1" orient="horz" pos="2160">
+          <p15:clr>
+            <a:srgbClr val="A4A3A4"/>
+          </p15:clr>
+        </p15:guide>
+        <p15:guide id="2" pos="2880">
+          <p15:clr>
+            <a:srgbClr val="A4A3A4"/>
+          </p15:clr>
+        </p15:guide>
+      </p15:sldGuideLst>
+    </p:ext>
+  </p:extLst>
 </p:presentation>
 </file>
 
@@ -146,10 +163,9 @@
           <a:lstStyle/>
           <a:p>
             <a:r>
-              <a:rPr lang="ko-KR" altLang="en-US" smtClean="0"/>
+              <a:rPr lang="ko-KR" altLang="en-US"/>
               <a:t>마스터 제목 스타일 편집</a:t>
             </a:r>
-            <a:endParaRPr lang="ko-KR" altLang="en-US"/>
           </a:p>
         </p:txBody>
       </p:sp>
@@ -265,10 +281,9 @@
           </a:lstStyle>
           <a:p>
             <a:r>
-              <a:rPr lang="ko-KR" altLang="en-US" smtClean="0"/>
+              <a:rPr lang="ko-KR" altLang="en-US"/>
               <a:t>마스터 부제목 스타일 편집</a:t>
             </a:r>
-            <a:endParaRPr lang="ko-KR" altLang="en-US"/>
           </a:p>
         </p:txBody>
       </p:sp>
@@ -289,7 +304,7 @@
           <a:p>
             <a:fld id="{FB30EDBD-1C2D-4C1E-B459-B60219FAB484}" type="datetimeFigureOut">
               <a:rPr lang="ko-KR" altLang="en-US" smtClean="0"/>
-              <a:t>2021-05-07</a:t>
+              <a:t>2021-06-06</a:t>
             </a:fld>
             <a:endParaRPr lang="ko-KR" altLang="en-US"/>
           </a:p>
@@ -378,10 +393,9 @@
           <a:lstStyle/>
           <a:p>
             <a:r>
-              <a:rPr lang="ko-KR" altLang="en-US" smtClean="0"/>
+              <a:rPr lang="ko-KR" altLang="en-US"/>
               <a:t>마스터 제목 스타일 편집</a:t>
             </a:r>
-            <a:endParaRPr lang="ko-KR" altLang="en-US"/>
           </a:p>
         </p:txBody>
       </p:sp>
@@ -402,38 +416,37 @@
           <a:p>
             <a:pPr lvl="0"/>
             <a:r>
-              <a:rPr lang="ko-KR" altLang="en-US" smtClean="0"/>
+              <a:rPr lang="ko-KR" altLang="en-US"/>
               <a:t>마스터 텍스트 스타일을 편집합니다</a:t>
             </a:r>
           </a:p>
           <a:p>
             <a:pPr lvl="1"/>
             <a:r>
-              <a:rPr lang="ko-KR" altLang="en-US" smtClean="0"/>
+              <a:rPr lang="ko-KR" altLang="en-US"/>
               <a:t>둘째 수준</a:t>
             </a:r>
           </a:p>
           <a:p>
             <a:pPr lvl="2"/>
             <a:r>
-              <a:rPr lang="ko-KR" altLang="en-US" smtClean="0"/>
+              <a:rPr lang="ko-KR" altLang="en-US"/>
               <a:t>셋째 수준</a:t>
             </a:r>
           </a:p>
           <a:p>
             <a:pPr lvl="3"/>
             <a:r>
-              <a:rPr lang="ko-KR" altLang="en-US" smtClean="0"/>
+              <a:rPr lang="ko-KR" altLang="en-US"/>
               <a:t>넷째 수준</a:t>
             </a:r>
           </a:p>
           <a:p>
             <a:pPr lvl="4"/>
             <a:r>
-              <a:rPr lang="ko-KR" altLang="en-US" smtClean="0"/>
+              <a:rPr lang="ko-KR" altLang="en-US"/>
               <a:t>다섯째 수준</a:t>
             </a:r>
-            <a:endParaRPr lang="ko-KR" altLang="en-US"/>
           </a:p>
         </p:txBody>
       </p:sp>
@@ -454,7 +467,7 @@
           <a:p>
             <a:fld id="{FB30EDBD-1C2D-4C1E-B459-B60219FAB484}" type="datetimeFigureOut">
               <a:rPr lang="ko-KR" altLang="en-US" smtClean="0"/>
-              <a:t>2021-05-07</a:t>
+              <a:t>2021-06-06</a:t>
             </a:fld>
             <a:endParaRPr lang="ko-KR" altLang="en-US"/>
           </a:p>
@@ -548,10 +561,9 @@
           <a:lstStyle/>
           <a:p>
             <a:r>
-              <a:rPr lang="ko-KR" altLang="en-US" smtClean="0"/>
+              <a:rPr lang="ko-KR" altLang="en-US"/>
               <a:t>마스터 제목 스타일 편집</a:t>
             </a:r>
-            <a:endParaRPr lang="ko-KR" altLang="en-US"/>
           </a:p>
         </p:txBody>
       </p:sp>
@@ -577,38 +589,37 @@
           <a:p>
             <a:pPr lvl="0"/>
             <a:r>
-              <a:rPr lang="ko-KR" altLang="en-US" smtClean="0"/>
+              <a:rPr lang="ko-KR" altLang="en-US"/>
               <a:t>마스터 텍스트 스타일을 편집합니다</a:t>
             </a:r>
           </a:p>
           <a:p>
             <a:pPr lvl="1"/>
             <a:r>
-              <a:rPr lang="ko-KR" altLang="en-US" smtClean="0"/>
+              <a:rPr lang="ko-KR" altLang="en-US"/>
               <a:t>둘째 수준</a:t>
             </a:r>
           </a:p>
           <a:p>
             <a:pPr lvl="2"/>
             <a:r>
-              <a:rPr lang="ko-KR" altLang="en-US" smtClean="0"/>
+              <a:rPr lang="ko-KR" altLang="en-US"/>
               <a:t>셋째 수준</a:t>
             </a:r>
           </a:p>
           <a:p>
             <a:pPr lvl="3"/>
             <a:r>
-              <a:rPr lang="ko-KR" altLang="en-US" smtClean="0"/>
+              <a:rPr lang="ko-KR" altLang="en-US"/>
               <a:t>넷째 수준</a:t>
             </a:r>
           </a:p>
           <a:p>
             <a:pPr lvl="4"/>
             <a:r>
-              <a:rPr lang="ko-KR" altLang="en-US" smtClean="0"/>
+              <a:rPr lang="ko-KR" altLang="en-US"/>
               <a:t>다섯째 수준</a:t>
             </a:r>
-            <a:endParaRPr lang="ko-KR" altLang="en-US"/>
           </a:p>
         </p:txBody>
       </p:sp>
@@ -629,7 +640,7 @@
           <a:p>
             <a:fld id="{FB30EDBD-1C2D-4C1E-B459-B60219FAB484}" type="datetimeFigureOut">
               <a:rPr lang="ko-KR" altLang="en-US" smtClean="0"/>
-              <a:t>2021-05-07</a:t>
+              <a:t>2021-06-06</a:t>
             </a:fld>
             <a:endParaRPr lang="ko-KR" altLang="en-US"/>
           </a:p>
@@ -718,10 +729,9 @@
           <a:lstStyle/>
           <a:p>
             <a:r>
-              <a:rPr lang="ko-KR" altLang="en-US" smtClean="0"/>
+              <a:rPr lang="ko-KR" altLang="en-US"/>
               <a:t>마스터 제목 스타일 편집</a:t>
             </a:r>
-            <a:endParaRPr lang="ko-KR" altLang="en-US"/>
           </a:p>
         </p:txBody>
       </p:sp>
@@ -742,38 +752,37 @@
           <a:p>
             <a:pPr lvl="0"/>
             <a:r>
-              <a:rPr lang="ko-KR" altLang="en-US" smtClean="0"/>
+              <a:rPr lang="ko-KR" altLang="en-US"/>
               <a:t>마스터 텍스트 스타일을 편집합니다</a:t>
             </a:r>
           </a:p>
           <a:p>
             <a:pPr lvl="1"/>
             <a:r>
-              <a:rPr lang="ko-KR" altLang="en-US" smtClean="0"/>
+              <a:rPr lang="ko-KR" altLang="en-US"/>
               <a:t>둘째 수준</a:t>
             </a:r>
           </a:p>
           <a:p>
             <a:pPr lvl="2"/>
             <a:r>
-              <a:rPr lang="ko-KR" altLang="en-US" smtClean="0"/>
+              <a:rPr lang="ko-KR" altLang="en-US"/>
               <a:t>셋째 수준</a:t>
             </a:r>
           </a:p>
           <a:p>
             <a:pPr lvl="3"/>
             <a:r>
-              <a:rPr lang="ko-KR" altLang="en-US" smtClean="0"/>
+              <a:rPr lang="ko-KR" altLang="en-US"/>
               <a:t>넷째 수준</a:t>
             </a:r>
           </a:p>
           <a:p>
             <a:pPr lvl="4"/>
             <a:r>
-              <a:rPr lang="ko-KR" altLang="en-US" smtClean="0"/>
+              <a:rPr lang="ko-KR" altLang="en-US"/>
               <a:t>다섯째 수준</a:t>
             </a:r>
-            <a:endParaRPr lang="ko-KR" altLang="en-US"/>
           </a:p>
         </p:txBody>
       </p:sp>
@@ -794,7 +803,7 @@
           <a:p>
             <a:fld id="{FB30EDBD-1C2D-4C1E-B459-B60219FAB484}" type="datetimeFigureOut">
               <a:rPr lang="ko-KR" altLang="en-US" smtClean="0"/>
-              <a:t>2021-05-07</a:t>
+              <a:t>2021-06-06</a:t>
             </a:fld>
             <a:endParaRPr lang="ko-KR" altLang="en-US"/>
           </a:p>
@@ -892,10 +901,9 @@
           </a:lstStyle>
           <a:p>
             <a:r>
-              <a:rPr lang="ko-KR" altLang="en-US" smtClean="0"/>
+              <a:rPr lang="ko-KR" altLang="en-US"/>
               <a:t>마스터 제목 스타일 편집</a:t>
             </a:r>
-            <a:endParaRPr lang="ko-KR" altLang="en-US"/>
           </a:p>
         </p:txBody>
       </p:sp>
@@ -1012,7 +1020,7 @@
           <a:p>
             <a:pPr lvl="0"/>
             <a:r>
-              <a:rPr lang="ko-KR" altLang="en-US" smtClean="0"/>
+              <a:rPr lang="ko-KR" altLang="en-US"/>
               <a:t>마스터 텍스트 스타일을 편집합니다</a:t>
             </a:r>
           </a:p>
@@ -1035,7 +1043,7 @@
           <a:p>
             <a:fld id="{FB30EDBD-1C2D-4C1E-B459-B60219FAB484}" type="datetimeFigureOut">
               <a:rPr lang="ko-KR" altLang="en-US" smtClean="0"/>
-              <a:t>2021-05-07</a:t>
+              <a:t>2021-06-06</a:t>
             </a:fld>
             <a:endParaRPr lang="ko-KR" altLang="en-US"/>
           </a:p>
@@ -1124,10 +1132,9 @@
           <a:lstStyle/>
           <a:p>
             <a:r>
-              <a:rPr lang="ko-KR" altLang="en-US" smtClean="0"/>
+              <a:rPr lang="ko-KR" altLang="en-US"/>
               <a:t>마스터 제목 스타일 편집</a:t>
             </a:r>
-            <a:endParaRPr lang="ko-KR" altLang="en-US"/>
           </a:p>
         </p:txBody>
       </p:sp>
@@ -1181,38 +1188,37 @@
           <a:p>
             <a:pPr lvl="0"/>
             <a:r>
-              <a:rPr lang="ko-KR" altLang="en-US" smtClean="0"/>
+              <a:rPr lang="ko-KR" altLang="en-US"/>
               <a:t>마스터 텍스트 스타일을 편집합니다</a:t>
             </a:r>
           </a:p>
           <a:p>
             <a:pPr lvl="1"/>
             <a:r>
-              <a:rPr lang="ko-KR" altLang="en-US" smtClean="0"/>
+              <a:rPr lang="ko-KR" altLang="en-US"/>
               <a:t>둘째 수준</a:t>
             </a:r>
           </a:p>
           <a:p>
             <a:pPr lvl="2"/>
             <a:r>
-              <a:rPr lang="ko-KR" altLang="en-US" smtClean="0"/>
+              <a:rPr lang="ko-KR" altLang="en-US"/>
               <a:t>셋째 수준</a:t>
             </a:r>
           </a:p>
           <a:p>
             <a:pPr lvl="3"/>
             <a:r>
-              <a:rPr lang="ko-KR" altLang="en-US" smtClean="0"/>
+              <a:rPr lang="ko-KR" altLang="en-US"/>
               <a:t>넷째 수준</a:t>
             </a:r>
           </a:p>
           <a:p>
             <a:pPr lvl="4"/>
             <a:r>
-              <a:rPr lang="ko-KR" altLang="en-US" smtClean="0"/>
+              <a:rPr lang="ko-KR" altLang="en-US"/>
               <a:t>다섯째 수준</a:t>
             </a:r>
-            <a:endParaRPr lang="ko-KR" altLang="en-US"/>
           </a:p>
         </p:txBody>
       </p:sp>
@@ -1266,38 +1272,37 @@
           <a:p>
             <a:pPr lvl="0"/>
             <a:r>
-              <a:rPr lang="ko-KR" altLang="en-US" smtClean="0"/>
+              <a:rPr lang="ko-KR" altLang="en-US"/>
               <a:t>마스터 텍스트 스타일을 편집합니다</a:t>
             </a:r>
           </a:p>
           <a:p>
             <a:pPr lvl="1"/>
             <a:r>
-              <a:rPr lang="ko-KR" altLang="en-US" smtClean="0"/>
+              <a:rPr lang="ko-KR" altLang="en-US"/>
               <a:t>둘째 수준</a:t>
             </a:r>
           </a:p>
           <a:p>
             <a:pPr lvl="2"/>
             <a:r>
-              <a:rPr lang="ko-KR" altLang="en-US" smtClean="0"/>
+              <a:rPr lang="ko-KR" altLang="en-US"/>
               <a:t>셋째 수준</a:t>
             </a:r>
           </a:p>
           <a:p>
             <a:pPr lvl="3"/>
             <a:r>
-              <a:rPr lang="ko-KR" altLang="en-US" smtClean="0"/>
+              <a:rPr lang="ko-KR" altLang="en-US"/>
               <a:t>넷째 수준</a:t>
             </a:r>
           </a:p>
           <a:p>
             <a:pPr lvl="4"/>
             <a:r>
-              <a:rPr lang="ko-KR" altLang="en-US" smtClean="0"/>
+              <a:rPr lang="ko-KR" altLang="en-US"/>
               <a:t>다섯째 수준</a:t>
             </a:r>
-            <a:endParaRPr lang="ko-KR" altLang="en-US"/>
           </a:p>
         </p:txBody>
       </p:sp>
@@ -1318,7 +1323,7 @@
           <a:p>
             <a:fld id="{FB30EDBD-1C2D-4C1E-B459-B60219FAB484}" type="datetimeFigureOut">
               <a:rPr lang="ko-KR" altLang="en-US" smtClean="0"/>
-              <a:t>2021-05-07</a:t>
+              <a:t>2021-06-06</a:t>
             </a:fld>
             <a:endParaRPr lang="ko-KR" altLang="en-US"/>
           </a:p>
@@ -1411,10 +1416,9 @@
           </a:lstStyle>
           <a:p>
             <a:r>
-              <a:rPr lang="ko-KR" altLang="en-US" smtClean="0"/>
+              <a:rPr lang="ko-KR" altLang="en-US"/>
               <a:t>마스터 제목 스타일 편집</a:t>
             </a:r>
-            <a:endParaRPr lang="ko-KR" altLang="en-US"/>
           </a:p>
         </p:txBody>
       </p:sp>
@@ -1477,7 +1481,7 @@
           <a:p>
             <a:pPr lvl="0"/>
             <a:r>
-              <a:rPr lang="ko-KR" altLang="en-US" smtClean="0"/>
+              <a:rPr lang="ko-KR" altLang="en-US"/>
               <a:t>마스터 텍스트 스타일을 편집합니다</a:t>
             </a:r>
           </a:p>
@@ -1533,38 +1537,37 @@
           <a:p>
             <a:pPr lvl="0"/>
             <a:r>
-              <a:rPr lang="ko-KR" altLang="en-US" smtClean="0"/>
+              <a:rPr lang="ko-KR" altLang="en-US"/>
               <a:t>마스터 텍스트 스타일을 편집합니다</a:t>
             </a:r>
           </a:p>
           <a:p>
             <a:pPr lvl="1"/>
             <a:r>
-              <a:rPr lang="ko-KR" altLang="en-US" smtClean="0"/>
+              <a:rPr lang="ko-KR" altLang="en-US"/>
               <a:t>둘째 수준</a:t>
             </a:r>
           </a:p>
           <a:p>
             <a:pPr lvl="2"/>
             <a:r>
-              <a:rPr lang="ko-KR" altLang="en-US" smtClean="0"/>
+              <a:rPr lang="ko-KR" altLang="en-US"/>
               <a:t>셋째 수준</a:t>
             </a:r>
           </a:p>
           <a:p>
             <a:pPr lvl="3"/>
             <a:r>
-              <a:rPr lang="ko-KR" altLang="en-US" smtClean="0"/>
+              <a:rPr lang="ko-KR" altLang="en-US"/>
               <a:t>넷째 수준</a:t>
             </a:r>
           </a:p>
           <a:p>
             <a:pPr lvl="4"/>
             <a:r>
-              <a:rPr lang="ko-KR" altLang="en-US" smtClean="0"/>
+              <a:rPr lang="ko-KR" altLang="en-US"/>
               <a:t>다섯째 수준</a:t>
             </a:r>
-            <a:endParaRPr lang="ko-KR" altLang="en-US"/>
           </a:p>
         </p:txBody>
       </p:sp>
@@ -1627,7 +1630,7 @@
           <a:p>
             <a:pPr lvl="0"/>
             <a:r>
-              <a:rPr lang="ko-KR" altLang="en-US" smtClean="0"/>
+              <a:rPr lang="ko-KR" altLang="en-US"/>
               <a:t>마스터 텍스트 스타일을 편집합니다</a:t>
             </a:r>
           </a:p>
@@ -1683,38 +1686,37 @@
           <a:p>
             <a:pPr lvl="0"/>
             <a:r>
-              <a:rPr lang="ko-KR" altLang="en-US" smtClean="0"/>
+              <a:rPr lang="ko-KR" altLang="en-US"/>
               <a:t>마스터 텍스트 스타일을 편집합니다</a:t>
             </a:r>
           </a:p>
           <a:p>
             <a:pPr lvl="1"/>
             <a:r>
-              <a:rPr lang="ko-KR" altLang="en-US" smtClean="0"/>
+              <a:rPr lang="ko-KR" altLang="en-US"/>
               <a:t>둘째 수준</a:t>
             </a:r>
           </a:p>
           <a:p>
             <a:pPr lvl="2"/>
             <a:r>
-              <a:rPr lang="ko-KR" altLang="en-US" smtClean="0"/>
+              <a:rPr lang="ko-KR" altLang="en-US"/>
               <a:t>셋째 수준</a:t>
             </a:r>
           </a:p>
           <a:p>
             <a:pPr lvl="3"/>
             <a:r>
-              <a:rPr lang="ko-KR" altLang="en-US" smtClean="0"/>
+              <a:rPr lang="ko-KR" altLang="en-US"/>
               <a:t>넷째 수준</a:t>
             </a:r>
           </a:p>
           <a:p>
             <a:pPr lvl="4"/>
             <a:r>
-              <a:rPr lang="ko-KR" altLang="en-US" smtClean="0"/>
+              <a:rPr lang="ko-KR" altLang="en-US"/>
               <a:t>다섯째 수준</a:t>
             </a:r>
-            <a:endParaRPr lang="ko-KR" altLang="en-US"/>
           </a:p>
         </p:txBody>
       </p:sp>
@@ -1735,7 +1737,7 @@
           <a:p>
             <a:fld id="{FB30EDBD-1C2D-4C1E-B459-B60219FAB484}" type="datetimeFigureOut">
               <a:rPr lang="ko-KR" altLang="en-US" smtClean="0"/>
-              <a:t>2021-05-07</a:t>
+              <a:t>2021-06-06</a:t>
             </a:fld>
             <a:endParaRPr lang="ko-KR" altLang="en-US"/>
           </a:p>
@@ -1824,10 +1826,9 @@
           <a:lstStyle/>
           <a:p>
             <a:r>
-              <a:rPr lang="ko-KR" altLang="en-US" smtClean="0"/>
+              <a:rPr lang="ko-KR" altLang="en-US"/>
               <a:t>마스터 제목 스타일 편집</a:t>
             </a:r>
-            <a:endParaRPr lang="ko-KR" altLang="en-US"/>
           </a:p>
         </p:txBody>
       </p:sp>
@@ -1848,7 +1849,7 @@
           <a:p>
             <a:fld id="{FB30EDBD-1C2D-4C1E-B459-B60219FAB484}" type="datetimeFigureOut">
               <a:rPr lang="ko-KR" altLang="en-US" smtClean="0"/>
-              <a:t>2021-05-07</a:t>
+              <a:t>2021-06-06</a:t>
             </a:fld>
             <a:endParaRPr lang="ko-KR" altLang="en-US"/>
           </a:p>
@@ -1938,7 +1939,7 @@
           <a:p>
             <a:fld id="{FB30EDBD-1C2D-4C1E-B459-B60219FAB484}" type="datetimeFigureOut">
               <a:rPr lang="ko-KR" altLang="en-US" smtClean="0"/>
-              <a:t>2021-05-07</a:t>
+              <a:t>2021-06-06</a:t>
             </a:fld>
             <a:endParaRPr lang="ko-KR" altLang="en-US"/>
           </a:p>
@@ -2036,10 +2037,9 @@
           </a:lstStyle>
           <a:p>
             <a:r>
-              <a:rPr lang="ko-KR" altLang="en-US" smtClean="0"/>
+              <a:rPr lang="ko-KR" altLang="en-US"/>
               <a:t>마스터 제목 스타일 편집</a:t>
             </a:r>
-            <a:endParaRPr lang="ko-KR" altLang="en-US"/>
           </a:p>
         </p:txBody>
       </p:sp>
@@ -2093,38 +2093,37 @@
           <a:p>
             <a:pPr lvl="0"/>
             <a:r>
-              <a:rPr lang="ko-KR" altLang="en-US" smtClean="0"/>
+              <a:rPr lang="ko-KR" altLang="en-US"/>
               <a:t>마스터 텍스트 스타일을 편집합니다</a:t>
             </a:r>
           </a:p>
           <a:p>
             <a:pPr lvl="1"/>
             <a:r>
-              <a:rPr lang="ko-KR" altLang="en-US" smtClean="0"/>
+              <a:rPr lang="ko-KR" altLang="en-US"/>
               <a:t>둘째 수준</a:t>
             </a:r>
           </a:p>
           <a:p>
             <a:pPr lvl="2"/>
             <a:r>
-              <a:rPr lang="ko-KR" altLang="en-US" smtClean="0"/>
+              <a:rPr lang="ko-KR" altLang="en-US"/>
               <a:t>셋째 수준</a:t>
             </a:r>
           </a:p>
           <a:p>
             <a:pPr lvl="3"/>
             <a:r>
-              <a:rPr lang="ko-KR" altLang="en-US" smtClean="0"/>
+              <a:rPr lang="ko-KR" altLang="en-US"/>
               <a:t>넷째 수준</a:t>
             </a:r>
           </a:p>
           <a:p>
             <a:pPr lvl="4"/>
             <a:r>
-              <a:rPr lang="ko-KR" altLang="en-US" smtClean="0"/>
+              <a:rPr lang="ko-KR" altLang="en-US"/>
               <a:t>다섯째 수준</a:t>
             </a:r>
-            <a:endParaRPr lang="ko-KR" altLang="en-US"/>
           </a:p>
         </p:txBody>
       </p:sp>
@@ -2187,7 +2186,7 @@
           <a:p>
             <a:pPr lvl="0"/>
             <a:r>
-              <a:rPr lang="ko-KR" altLang="en-US" smtClean="0"/>
+              <a:rPr lang="ko-KR" altLang="en-US"/>
               <a:t>마스터 텍스트 스타일을 편집합니다</a:t>
             </a:r>
           </a:p>
@@ -2210,7 +2209,7 @@
           <a:p>
             <a:fld id="{FB30EDBD-1C2D-4C1E-B459-B60219FAB484}" type="datetimeFigureOut">
               <a:rPr lang="ko-KR" altLang="en-US" smtClean="0"/>
-              <a:t>2021-05-07</a:t>
+              <a:t>2021-06-06</a:t>
             </a:fld>
             <a:endParaRPr lang="ko-KR" altLang="en-US"/>
           </a:p>
@@ -2308,10 +2307,9 @@
           </a:lstStyle>
           <a:p>
             <a:r>
-              <a:rPr lang="ko-KR" altLang="en-US" smtClean="0"/>
+              <a:rPr lang="ko-KR" altLang="en-US"/>
               <a:t>마스터 제목 스타일 편집</a:t>
             </a:r>
-            <a:endParaRPr lang="ko-KR" altLang="en-US"/>
           </a:p>
         </p:txBody>
       </p:sp>
@@ -2435,7 +2433,7 @@
           <a:p>
             <a:pPr lvl="0"/>
             <a:r>
-              <a:rPr lang="ko-KR" altLang="en-US" smtClean="0"/>
+              <a:rPr lang="ko-KR" altLang="en-US"/>
               <a:t>마스터 텍스트 스타일을 편집합니다</a:t>
             </a:r>
           </a:p>
@@ -2458,7 +2456,7 @@
           <a:p>
             <a:fld id="{FB30EDBD-1C2D-4C1E-B459-B60219FAB484}" type="datetimeFigureOut">
               <a:rPr lang="ko-KR" altLang="en-US" smtClean="0"/>
-              <a:t>2021-05-07</a:t>
+              <a:t>2021-06-06</a:t>
             </a:fld>
             <a:endParaRPr lang="ko-KR" altLang="en-US"/>
           </a:p>
@@ -2562,10 +2560,9 @@
           <a:lstStyle/>
           <a:p>
             <a:r>
-              <a:rPr lang="ko-KR" altLang="en-US" smtClean="0"/>
+              <a:rPr lang="ko-KR" altLang="en-US"/>
               <a:t>마스터 제목 스타일 편집</a:t>
             </a:r>
-            <a:endParaRPr lang="ko-KR" altLang="en-US"/>
           </a:p>
         </p:txBody>
       </p:sp>
@@ -2596,38 +2593,37 @@
           <a:p>
             <a:pPr lvl="0"/>
             <a:r>
-              <a:rPr lang="ko-KR" altLang="en-US" smtClean="0"/>
+              <a:rPr lang="ko-KR" altLang="en-US"/>
               <a:t>마스터 텍스트 스타일을 편집합니다</a:t>
             </a:r>
           </a:p>
           <a:p>
             <a:pPr lvl="1"/>
             <a:r>
-              <a:rPr lang="ko-KR" altLang="en-US" smtClean="0"/>
+              <a:rPr lang="ko-KR" altLang="en-US"/>
               <a:t>둘째 수준</a:t>
             </a:r>
           </a:p>
           <a:p>
             <a:pPr lvl="2"/>
             <a:r>
-              <a:rPr lang="ko-KR" altLang="en-US" smtClean="0"/>
+              <a:rPr lang="ko-KR" altLang="en-US"/>
               <a:t>셋째 수준</a:t>
             </a:r>
           </a:p>
           <a:p>
             <a:pPr lvl="3"/>
             <a:r>
-              <a:rPr lang="ko-KR" altLang="en-US" smtClean="0"/>
+              <a:rPr lang="ko-KR" altLang="en-US"/>
               <a:t>넷째 수준</a:t>
             </a:r>
           </a:p>
           <a:p>
             <a:pPr lvl="4"/>
             <a:r>
-              <a:rPr lang="ko-KR" altLang="en-US" smtClean="0"/>
+              <a:rPr lang="ko-KR" altLang="en-US"/>
               <a:t>다섯째 수준</a:t>
             </a:r>
-            <a:endParaRPr lang="ko-KR" altLang="en-US"/>
           </a:p>
         </p:txBody>
       </p:sp>
@@ -2666,7 +2662,7 @@
           <a:p>
             <a:fld id="{FB30EDBD-1C2D-4C1E-B459-B60219FAB484}" type="datetimeFigureOut">
               <a:rPr lang="ko-KR" altLang="en-US" smtClean="0"/>
-              <a:t>2021-05-07</a:t>
+              <a:t>2021-06-06</a:t>
             </a:fld>
             <a:endParaRPr lang="ko-KR" altLang="en-US"/>
           </a:p>
@@ -3132,6 +3128,81 @@
       </p:grpSpPr>
       <p:pic>
         <p:nvPicPr>
+          <p:cNvPr id="4" name="Picture 2" descr="Figure 2. Mixing Tank (Zill)">
+            <a:extLst>
+              <a:ext uri="{FF2B5EF4-FFF2-40B4-BE49-F238E27FC236}">
+                <a16:creationId xmlns:a16="http://schemas.microsoft.com/office/drawing/2014/main" id="{98A15FCC-C05A-4161-9768-3A2C1E404693}"/>
+              </a:ext>
+            </a:extLst>
+          </p:cNvPr>
+          <p:cNvPicPr>
+            <a:picLocks noChangeAspect="1" noChangeArrowheads="1"/>
+          </p:cNvPicPr>
+          <p:nvPr/>
+        </p:nvPicPr>
+        <p:blipFill rotWithShape="1">
+          <a:blip r:embed="rId2">
+            <a:extLst>
+              <a:ext uri="{28A0092B-C50C-407E-A947-70E740481C1C}">
+                <a14:useLocalDpi xmlns:a14="http://schemas.microsoft.com/office/drawing/2010/main" val="0"/>
+              </a:ext>
+            </a:extLst>
+          </a:blip>
+          <a:srcRect b="2623"/>
+          <a:stretch/>
+        </p:blipFill>
+        <p:spPr bwMode="auto">
+          <a:xfrm>
+            <a:off x="2519772" y="466362"/>
+            <a:ext cx="4104456" cy="5925277"/>
+          </a:xfrm>
+          <a:prstGeom prst="rect">
+            <a:avLst/>
+          </a:prstGeom>
+          <a:noFill/>
+          <a:extLst>
+            <a:ext uri="{909E8E84-426E-40DD-AFC4-6F175D3DCCD1}">
+              <a14:hiddenFill xmlns:a14="http://schemas.microsoft.com/office/drawing/2010/main">
+                <a:solidFill>
+                  <a:srgbClr val="FFFFFF"/>
+                </a:solidFill>
+              </a14:hiddenFill>
+            </a:ext>
+          </a:extLst>
+        </p:spPr>
+      </p:pic>
+    </p:spTree>
+    <p:extLst>
+      <p:ext uri="{BB962C8B-B14F-4D97-AF65-F5344CB8AC3E}">
+        <p14:creationId xmlns:p14="http://schemas.microsoft.com/office/powerpoint/2010/main" val="202010847"/>
+      </p:ext>
+    </p:extLst>
+  </p:cSld>
+  <p:clrMapOvr>
+    <a:masterClrMapping/>
+  </p:clrMapOvr>
+</p:sld>
+</file>
+
+<file path=ppt/slides/slide3.xml><?xml version="1.0" encoding="utf-8"?>
+<p:sld xmlns:a="http://schemas.openxmlformats.org/drawingml/2006/main" xmlns:r="http://schemas.openxmlformats.org/officeDocument/2006/relationships" xmlns:p="http://schemas.openxmlformats.org/presentationml/2006/main">
+  <p:cSld>
+    <p:spTree>
+      <p:nvGrpSpPr>
+        <p:cNvPr id="1" name=""/>
+        <p:cNvGrpSpPr/>
+        <p:nvPr/>
+      </p:nvGrpSpPr>
+      <p:grpSpPr>
+        <a:xfrm>
+          <a:off x="0" y="0"/>
+          <a:ext cx="0" cy="0"/>
+          <a:chOff x="0" y="0"/>
+          <a:chExt cx="0" cy="0"/>
+        </a:xfrm>
+      </p:grpSpPr>
+      <p:pic>
+        <p:nvPicPr>
           <p:cNvPr id="1026" name="Picture 2"/>
           <p:cNvPicPr>
             <a:picLocks noChangeAspect="1" noChangeArrowheads="1"/>

--- a/pics/2021-05-06-separable_differential_equations/pics.pptx
+++ b/pics/2021-05-06-separable_differential_equations/pics.pptx
@@ -6,8 +6,10 @@
   </p:sldMasterIdLst>
   <p:sldIdLst>
     <p:sldId id="256" r:id="rId2"/>
-    <p:sldId id="258" r:id="rId3"/>
-    <p:sldId id="257" r:id="rId4"/>
+    <p:sldId id="259" r:id="rId3"/>
+    <p:sldId id="258" r:id="rId4"/>
+    <p:sldId id="257" r:id="rId5"/>
+    <p:sldId id="260" r:id="rId6"/>
   </p:sldIdLst>
   <p:sldSz cx="9144000" cy="6858000" type="screen4x3"/>
   <p:notesSz cx="6858000" cy="9144000"/>
@@ -304,7 +306,7 @@
           <a:p>
             <a:fld id="{FB30EDBD-1C2D-4C1E-B459-B60219FAB484}" type="datetimeFigureOut">
               <a:rPr lang="ko-KR" altLang="en-US" smtClean="0"/>
-              <a:t>2021-06-06</a:t>
+              <a:t>2023-05-08</a:t>
             </a:fld>
             <a:endParaRPr lang="ko-KR" altLang="en-US"/>
           </a:p>
@@ -467,7 +469,7 @@
           <a:p>
             <a:fld id="{FB30EDBD-1C2D-4C1E-B459-B60219FAB484}" type="datetimeFigureOut">
               <a:rPr lang="ko-KR" altLang="en-US" smtClean="0"/>
-              <a:t>2021-06-06</a:t>
+              <a:t>2023-05-08</a:t>
             </a:fld>
             <a:endParaRPr lang="ko-KR" altLang="en-US"/>
           </a:p>
@@ -640,7 +642,7 @@
           <a:p>
             <a:fld id="{FB30EDBD-1C2D-4C1E-B459-B60219FAB484}" type="datetimeFigureOut">
               <a:rPr lang="ko-KR" altLang="en-US" smtClean="0"/>
-              <a:t>2021-06-06</a:t>
+              <a:t>2023-05-08</a:t>
             </a:fld>
             <a:endParaRPr lang="ko-KR" altLang="en-US"/>
           </a:p>
@@ -803,7 +805,7 @@
           <a:p>
             <a:fld id="{FB30EDBD-1C2D-4C1E-B459-B60219FAB484}" type="datetimeFigureOut">
               <a:rPr lang="ko-KR" altLang="en-US" smtClean="0"/>
-              <a:t>2021-06-06</a:t>
+              <a:t>2023-05-08</a:t>
             </a:fld>
             <a:endParaRPr lang="ko-KR" altLang="en-US"/>
           </a:p>
@@ -1043,7 +1045,7 @@
           <a:p>
             <a:fld id="{FB30EDBD-1C2D-4C1E-B459-B60219FAB484}" type="datetimeFigureOut">
               <a:rPr lang="ko-KR" altLang="en-US" smtClean="0"/>
-              <a:t>2021-06-06</a:t>
+              <a:t>2023-05-08</a:t>
             </a:fld>
             <a:endParaRPr lang="ko-KR" altLang="en-US"/>
           </a:p>
@@ -1323,7 +1325,7 @@
           <a:p>
             <a:fld id="{FB30EDBD-1C2D-4C1E-B459-B60219FAB484}" type="datetimeFigureOut">
               <a:rPr lang="ko-KR" altLang="en-US" smtClean="0"/>
-              <a:t>2021-06-06</a:t>
+              <a:t>2023-05-08</a:t>
             </a:fld>
             <a:endParaRPr lang="ko-KR" altLang="en-US"/>
           </a:p>
@@ -1737,7 +1739,7 @@
           <a:p>
             <a:fld id="{FB30EDBD-1C2D-4C1E-B459-B60219FAB484}" type="datetimeFigureOut">
               <a:rPr lang="ko-KR" altLang="en-US" smtClean="0"/>
-              <a:t>2021-06-06</a:t>
+              <a:t>2023-05-08</a:t>
             </a:fld>
             <a:endParaRPr lang="ko-KR" altLang="en-US"/>
           </a:p>
@@ -1849,7 +1851,7 @@
           <a:p>
             <a:fld id="{FB30EDBD-1C2D-4C1E-B459-B60219FAB484}" type="datetimeFigureOut">
               <a:rPr lang="ko-KR" altLang="en-US" smtClean="0"/>
-              <a:t>2021-06-06</a:t>
+              <a:t>2023-05-08</a:t>
             </a:fld>
             <a:endParaRPr lang="ko-KR" altLang="en-US"/>
           </a:p>
@@ -1939,7 +1941,7 @@
           <a:p>
             <a:fld id="{FB30EDBD-1C2D-4C1E-B459-B60219FAB484}" type="datetimeFigureOut">
               <a:rPr lang="ko-KR" altLang="en-US" smtClean="0"/>
-              <a:t>2021-06-06</a:t>
+              <a:t>2023-05-08</a:t>
             </a:fld>
             <a:endParaRPr lang="ko-KR" altLang="en-US"/>
           </a:p>
@@ -2209,7 +2211,7 @@
           <a:p>
             <a:fld id="{FB30EDBD-1C2D-4C1E-B459-B60219FAB484}" type="datetimeFigureOut">
               <a:rPr lang="ko-KR" altLang="en-US" smtClean="0"/>
-              <a:t>2021-06-06</a:t>
+              <a:t>2023-05-08</a:t>
             </a:fld>
             <a:endParaRPr lang="ko-KR" altLang="en-US"/>
           </a:p>
@@ -2456,7 +2458,7 @@
           <a:p>
             <a:fld id="{FB30EDBD-1C2D-4C1E-B459-B60219FAB484}" type="datetimeFigureOut">
               <a:rPr lang="ko-KR" altLang="en-US" smtClean="0"/>
-              <a:t>2021-06-06</a:t>
+              <a:t>2023-05-08</a:t>
             </a:fld>
             <a:endParaRPr lang="ko-KR" altLang="en-US"/>
           </a:p>
@@ -2662,7 +2664,7 @@
           <a:p>
             <a:fld id="{FB30EDBD-1C2D-4C1E-B459-B60219FAB484}" type="datetimeFigureOut">
               <a:rPr lang="ko-KR" altLang="en-US" smtClean="0"/>
-              <a:t>2021-06-06</a:t>
+              <a:t>2023-05-08</a:t>
             </a:fld>
             <a:endParaRPr lang="ko-KR" altLang="en-US"/>
           </a:p>
@@ -3128,6 +3130,66 @@
       </p:grpSpPr>
       <p:pic>
         <p:nvPicPr>
+          <p:cNvPr id="5" name="Picture 4">
+            <a:extLst>
+              <a:ext uri="{FF2B5EF4-FFF2-40B4-BE49-F238E27FC236}">
+                <a16:creationId xmlns:a16="http://schemas.microsoft.com/office/drawing/2014/main" id="{4FA8986A-6165-DC78-2BFD-15E8C3F85C83}"/>
+              </a:ext>
+            </a:extLst>
+          </p:cNvPr>
+          <p:cNvPicPr>
+            <a:picLocks noChangeAspect="1"/>
+          </p:cNvPicPr>
+          <p:nvPr/>
+        </p:nvPicPr>
+        <p:blipFill>
+          <a:blip r:embed="rId2"/>
+          <a:stretch>
+            <a:fillRect/>
+          </a:stretch>
+        </p:blipFill>
+        <p:spPr>
+          <a:xfrm>
+            <a:off x="1905000" y="1428750"/>
+            <a:ext cx="5334000" cy="4000500"/>
+          </a:xfrm>
+          <a:prstGeom prst="rect">
+            <a:avLst/>
+          </a:prstGeom>
+        </p:spPr>
+      </p:pic>
+    </p:spTree>
+    <p:extLst>
+      <p:ext uri="{BB962C8B-B14F-4D97-AF65-F5344CB8AC3E}">
+        <p14:creationId xmlns:p14="http://schemas.microsoft.com/office/powerpoint/2010/main" val="2063202412"/>
+      </p:ext>
+    </p:extLst>
+  </p:cSld>
+  <p:clrMapOvr>
+    <a:masterClrMapping/>
+  </p:clrMapOvr>
+</p:sld>
+</file>
+
+<file path=ppt/slides/slide3.xml><?xml version="1.0" encoding="utf-8"?>
+<p:sld xmlns:a="http://schemas.openxmlformats.org/drawingml/2006/main" xmlns:r="http://schemas.openxmlformats.org/officeDocument/2006/relationships" xmlns:p="http://schemas.openxmlformats.org/presentationml/2006/main">
+  <p:cSld>
+    <p:spTree>
+      <p:nvGrpSpPr>
+        <p:cNvPr id="1" name=""/>
+        <p:cNvGrpSpPr/>
+        <p:nvPr/>
+      </p:nvGrpSpPr>
+      <p:grpSpPr>
+        <a:xfrm>
+          <a:off x="0" y="0"/>
+          <a:ext cx="0" cy="0"/>
+          <a:chOff x="0" y="0"/>
+          <a:chExt cx="0" cy="0"/>
+        </a:xfrm>
+      </p:grpSpPr>
+      <p:pic>
+        <p:nvPicPr>
           <p:cNvPr id="4" name="Picture 2" descr="Figure 2. Mixing Tank (Zill)">
             <a:extLst>
               <a:ext uri="{FF2B5EF4-FFF2-40B4-BE49-F238E27FC236}">
@@ -3184,7 +3246,7 @@
 </p:sld>
 </file>
 
-<file path=ppt/slides/slide3.xml><?xml version="1.0" encoding="utf-8"?>
+<file path=ppt/slides/slide4.xml><?xml version="1.0" encoding="utf-8"?>
 <p:sld xmlns:a="http://schemas.openxmlformats.org/drawingml/2006/main" xmlns:r="http://schemas.openxmlformats.org/officeDocument/2006/relationships" xmlns:p="http://schemas.openxmlformats.org/presentationml/2006/main">
   <p:cSld>
     <p:spTree>
@@ -3269,6 +3331,66 @@
     <p:extLst>
       <p:ext uri="{BB962C8B-B14F-4D97-AF65-F5344CB8AC3E}">
         <p14:creationId xmlns:p14="http://schemas.microsoft.com/office/powerpoint/2010/main" val="815731318"/>
+      </p:ext>
+    </p:extLst>
+  </p:cSld>
+  <p:clrMapOvr>
+    <a:masterClrMapping/>
+  </p:clrMapOvr>
+</p:sld>
+</file>
+
+<file path=ppt/slides/slide5.xml><?xml version="1.0" encoding="utf-8"?>
+<p:sld xmlns:a="http://schemas.openxmlformats.org/drawingml/2006/main" xmlns:r="http://schemas.openxmlformats.org/officeDocument/2006/relationships" xmlns:p="http://schemas.openxmlformats.org/presentationml/2006/main">
+  <p:cSld>
+    <p:spTree>
+      <p:nvGrpSpPr>
+        <p:cNvPr id="1" name=""/>
+        <p:cNvGrpSpPr/>
+        <p:nvPr/>
+      </p:nvGrpSpPr>
+      <p:grpSpPr>
+        <a:xfrm>
+          <a:off x="0" y="0"/>
+          <a:ext cx="0" cy="0"/>
+          <a:chOff x="0" y="0"/>
+          <a:chExt cx="0" cy="0"/>
+        </a:xfrm>
+      </p:grpSpPr>
+      <p:pic>
+        <p:nvPicPr>
+          <p:cNvPr id="5" name="Picture 4">
+            <a:extLst>
+              <a:ext uri="{FF2B5EF4-FFF2-40B4-BE49-F238E27FC236}">
+                <a16:creationId xmlns:a16="http://schemas.microsoft.com/office/drawing/2014/main" id="{0BB12DAE-8E26-D4C0-740C-6073C349DFB2}"/>
+              </a:ext>
+            </a:extLst>
+          </p:cNvPr>
+          <p:cNvPicPr>
+            <a:picLocks noChangeAspect="1"/>
+          </p:cNvPicPr>
+          <p:nvPr/>
+        </p:nvPicPr>
+        <p:blipFill>
+          <a:blip r:embed="rId2"/>
+          <a:stretch>
+            <a:fillRect/>
+          </a:stretch>
+        </p:blipFill>
+        <p:spPr>
+          <a:xfrm>
+            <a:off x="1905000" y="1428750"/>
+            <a:ext cx="5334000" cy="4000500"/>
+          </a:xfrm>
+          <a:prstGeom prst="rect">
+            <a:avLst/>
+          </a:prstGeom>
+        </p:spPr>
+      </p:pic>
+    </p:spTree>
+    <p:extLst>
+      <p:ext uri="{BB962C8B-B14F-4D97-AF65-F5344CB8AC3E}">
+        <p14:creationId xmlns:p14="http://schemas.microsoft.com/office/powerpoint/2010/main" val="918549908"/>
       </p:ext>
     </p:extLst>
   </p:cSld>
